--- a/Prokarma/ProKarma Ppt Template.pptx
+++ b/Prokarma/ProKarma Ppt Template.pptx
@@ -266,7 +266,7 @@
               <a:pPr>
                 <a:defRPr/>
               </a:pPr>
-              <a:t>4/21/2016</a:t>
+              <a:t>4/22/2016</a:t>
             </a:fld>
             <a:endParaRPr lang="en-US"/>
           </a:p>
@@ -368,7 +368,7 @@
     </p:spTree>
     <p:extLst>
       <p:ext uri="{BB962C8B-B14F-4D97-AF65-F5344CB8AC3E}">
-        <p14:creationId xmlns:p14="http://schemas.microsoft.com/office/powerpoint/2010/main" xmlns="" val="1727929699"/>
+        <p14:creationId xmlns="" xmlns:p14="http://schemas.microsoft.com/office/powerpoint/2010/main" val="1727929699"/>
       </p:ext>
     </p:extLst>
   </p:cSld>
@@ -488,7 +488,7 @@
               <a:pPr>
                 <a:defRPr/>
               </a:pPr>
-              <a:t>4/21/2016</a:t>
+              <a:t>4/22/2016</a:t>
             </a:fld>
             <a:endParaRPr lang="en-US"/>
           </a:p>
@@ -684,7 +684,7 @@
     </p:spTree>
     <p:extLst>
       <p:ext uri="{BB962C8B-B14F-4D97-AF65-F5344CB8AC3E}">
-        <p14:creationId xmlns:p14="http://schemas.microsoft.com/office/powerpoint/2010/main" xmlns="" val="2901870415"/>
+        <p14:creationId xmlns="" xmlns:p14="http://schemas.microsoft.com/office/powerpoint/2010/main" val="2901870415"/>
       </p:ext>
     </p:extLst>
   </p:cSld>
@@ -853,7 +853,7 @@
           </a:ln>
           <a:extLst>
             <a:ext uri="{909E8E84-426E-40DD-AFC4-6F175D3DCCD1}">
-              <a14:hiddenFill xmlns:a14="http://schemas.microsoft.com/office/drawing/2010/main" xmlns="">
+              <a14:hiddenFill xmlns="" xmlns:a14="http://schemas.microsoft.com/office/drawing/2010/main">
                 <a:solidFill>
                   <a:srgbClr val="FFFFFF"/>
                 </a:solidFill>
@@ -876,14 +876,14 @@
           <a:noFill/>
           <a:extLst>
             <a:ext uri="{909E8E84-426E-40DD-AFC4-6F175D3DCCD1}">
-              <a14:hiddenFill xmlns:a14="http://schemas.microsoft.com/office/drawing/2010/main" xmlns="">
+              <a14:hiddenFill xmlns="" xmlns:a14="http://schemas.microsoft.com/office/drawing/2010/main">
                 <a:solidFill>
                   <a:srgbClr val="FFFFFF"/>
                 </a:solidFill>
               </a14:hiddenFill>
             </a:ext>
             <a:ext uri="{91240B29-F687-4F45-9708-019B960494DF}">
-              <a14:hiddenLine xmlns:a14="http://schemas.microsoft.com/office/drawing/2010/main" xmlns="" w="9525">
+              <a14:hiddenLine xmlns="" xmlns:a14="http://schemas.microsoft.com/office/drawing/2010/main" w="9525">
                 <a:solidFill>
                   <a:srgbClr val="000000"/>
                 </a:solidFill>
@@ -1001,7 +1001,7 @@
           </a:ln>
           <a:extLst>
             <a:ext uri="{909E8E84-426E-40DD-AFC4-6F175D3DCCD1}">
-              <a14:hiddenFill xmlns:a14="http://schemas.microsoft.com/office/drawing/2010/main" xmlns="">
+              <a14:hiddenFill xmlns="" xmlns:a14="http://schemas.microsoft.com/office/drawing/2010/main">
                 <a:solidFill>
                   <a:srgbClr val="FFFFFF"/>
                 </a:solidFill>
@@ -1024,14 +1024,14 @@
           <a:noFill/>
           <a:extLst>
             <a:ext uri="{909E8E84-426E-40DD-AFC4-6F175D3DCCD1}">
-              <a14:hiddenFill xmlns:a14="http://schemas.microsoft.com/office/drawing/2010/main" xmlns="">
+              <a14:hiddenFill xmlns="" xmlns:a14="http://schemas.microsoft.com/office/drawing/2010/main">
                 <a:solidFill>
                   <a:srgbClr val="FFFFFF"/>
                 </a:solidFill>
               </a14:hiddenFill>
             </a:ext>
             <a:ext uri="{91240B29-F687-4F45-9708-019B960494DF}">
-              <a14:hiddenLine xmlns:a14="http://schemas.microsoft.com/office/drawing/2010/main" xmlns="" w="9525">
+              <a14:hiddenLine xmlns="" xmlns:a14="http://schemas.microsoft.com/office/drawing/2010/main" w="9525">
                 <a:solidFill>
                   <a:srgbClr val="000000"/>
                 </a:solidFill>
@@ -1073,14 +1073,14 @@
           <a:noFill/>
           <a:extLst>
             <a:ext uri="{909E8E84-426E-40DD-AFC4-6F175D3DCCD1}">
-              <a14:hiddenFill xmlns:a14="http://schemas.microsoft.com/office/drawing/2010/main" xmlns="">
+              <a14:hiddenFill xmlns="" xmlns:a14="http://schemas.microsoft.com/office/drawing/2010/main">
                 <a:solidFill>
                   <a:srgbClr val="FFFFFF"/>
                 </a:solidFill>
               </a14:hiddenFill>
             </a:ext>
             <a:ext uri="{91240B29-F687-4F45-9708-019B960494DF}">
-              <a14:hiddenLine xmlns:a14="http://schemas.microsoft.com/office/drawing/2010/main" xmlns="" w="9525">
+              <a14:hiddenLine xmlns="" xmlns:a14="http://schemas.microsoft.com/office/drawing/2010/main" w="9525">
                 <a:solidFill>
                   <a:srgbClr val="000000"/>
                 </a:solidFill>
@@ -1290,7 +1290,7 @@
     </p:spTree>
     <p:extLst>
       <p:ext uri="{BB962C8B-B14F-4D97-AF65-F5344CB8AC3E}">
-        <p14:creationId xmlns:p14="http://schemas.microsoft.com/office/powerpoint/2010/main" xmlns="" val="1543680488"/>
+        <p14:creationId xmlns="" xmlns:p14="http://schemas.microsoft.com/office/powerpoint/2010/main" val="1543680488"/>
       </p:ext>
     </p:extLst>
   </p:cSld>
@@ -1329,7 +1329,7 @@
           <a:blip r:embed="rId2">
             <a:extLst>
               <a:ext uri="{28A0092B-C50C-407E-A947-70E740481C1C}">
-                <a14:useLocalDpi xmlns:a14="http://schemas.microsoft.com/office/drawing/2010/main" xmlns="" val="0"/>
+                <a14:useLocalDpi xmlns="" xmlns:a14="http://schemas.microsoft.com/office/drawing/2010/main" val="0"/>
               </a:ext>
             </a:extLst>
           </a:blip>
@@ -1352,14 +1352,14 @@
           </a:ln>
           <a:extLst>
             <a:ext uri="{909E8E84-426E-40DD-AFC4-6F175D3DCCD1}">
-              <a14:hiddenFill xmlns:a14="http://schemas.microsoft.com/office/drawing/2010/main" xmlns="">
+              <a14:hiddenFill xmlns="" xmlns:a14="http://schemas.microsoft.com/office/drawing/2010/main">
                 <a:solidFill>
                   <a:srgbClr val="FFFFFF"/>
                 </a:solidFill>
               </a14:hiddenFill>
             </a:ext>
             <a:ext uri="{91240B29-F687-4F45-9708-019B960494DF}">
-              <a14:hiddenLine xmlns:a14="http://schemas.microsoft.com/office/drawing/2010/main" xmlns="" w="9525">
+              <a14:hiddenLine xmlns="" xmlns:a14="http://schemas.microsoft.com/office/drawing/2010/main" w="9525">
                 <a:solidFill>
                   <a:srgbClr val="000000"/>
                 </a:solidFill>
@@ -1512,7 +1512,7 @@
     </p:spTree>
     <p:extLst>
       <p:ext uri="{BB962C8B-B14F-4D97-AF65-F5344CB8AC3E}">
-        <p14:creationId xmlns:p14="http://schemas.microsoft.com/office/powerpoint/2010/main" xmlns="" val="648321535"/>
+        <p14:creationId xmlns="" xmlns:p14="http://schemas.microsoft.com/office/powerpoint/2010/main" val="648321535"/>
       </p:ext>
     </p:extLst>
   </p:cSld>
@@ -1551,7 +1551,7 @@
           <a:blip r:embed="rId2">
             <a:extLst>
               <a:ext uri="{28A0092B-C50C-407E-A947-70E740481C1C}">
-                <a14:useLocalDpi xmlns:a14="http://schemas.microsoft.com/office/drawing/2010/main" xmlns="" val="0"/>
+                <a14:useLocalDpi xmlns="" xmlns:a14="http://schemas.microsoft.com/office/drawing/2010/main" val="0"/>
               </a:ext>
             </a:extLst>
           </a:blip>
@@ -1574,14 +1574,14 @@
           </a:ln>
           <a:extLst>
             <a:ext uri="{909E8E84-426E-40DD-AFC4-6F175D3DCCD1}">
-              <a14:hiddenFill xmlns:a14="http://schemas.microsoft.com/office/drawing/2010/main" xmlns="">
+              <a14:hiddenFill xmlns="" xmlns:a14="http://schemas.microsoft.com/office/drawing/2010/main">
                 <a:solidFill>
                   <a:srgbClr val="FFFFFF"/>
                 </a:solidFill>
               </a14:hiddenFill>
             </a:ext>
             <a:ext uri="{91240B29-F687-4F45-9708-019B960494DF}">
-              <a14:hiddenLine xmlns:a14="http://schemas.microsoft.com/office/drawing/2010/main" xmlns="" w="9525">
+              <a14:hiddenLine xmlns="" xmlns:a14="http://schemas.microsoft.com/office/drawing/2010/main" w="9525">
                 <a:solidFill>
                   <a:srgbClr val="000000"/>
                 </a:solidFill>
@@ -2020,14 +2020,14 @@
             </a:ln>
             <a:extLst>
               <a:ext uri="{909E8E84-426E-40DD-AFC4-6F175D3DCCD1}">
-                <a14:hiddenFill xmlns:a14="http://schemas.microsoft.com/office/drawing/2010/main" xmlns="">
+                <a14:hiddenFill xmlns="" xmlns:a14="http://schemas.microsoft.com/office/drawing/2010/main">
                   <a:solidFill>
                     <a:srgbClr val="FFFFFF"/>
                   </a:solidFill>
                 </a14:hiddenFill>
               </a:ext>
               <a:ext uri="{91240B29-F687-4F45-9708-019B960494DF}">
-                <a14:hiddenLine xmlns:a14="http://schemas.microsoft.com/office/drawing/2010/main" xmlns="" w="9525">
+                <a14:hiddenLine xmlns="" xmlns:a14="http://schemas.microsoft.com/office/drawing/2010/main" w="9525">
                   <a:solidFill>
                     <a:srgbClr val="000000"/>
                   </a:solidFill>
@@ -2169,7 +2169,7 @@
           <a:blip r:embed="rId2">
             <a:extLst>
               <a:ext uri="{28A0092B-C50C-407E-A947-70E740481C1C}">
-                <a14:useLocalDpi xmlns:a14="http://schemas.microsoft.com/office/drawing/2010/main" xmlns="" val="0"/>
+                <a14:useLocalDpi xmlns="" xmlns:a14="http://schemas.microsoft.com/office/drawing/2010/main" val="0"/>
               </a:ext>
             </a:extLst>
           </a:blip>
@@ -2192,14 +2192,14 @@
           </a:ln>
           <a:extLst>
             <a:ext uri="{909E8E84-426E-40DD-AFC4-6F175D3DCCD1}">
-              <a14:hiddenFill xmlns:a14="http://schemas.microsoft.com/office/drawing/2010/main" xmlns="">
+              <a14:hiddenFill xmlns="" xmlns:a14="http://schemas.microsoft.com/office/drawing/2010/main">
                 <a:solidFill>
                   <a:srgbClr val="FFFFFF"/>
                 </a:solidFill>
               </a14:hiddenFill>
             </a:ext>
             <a:ext uri="{91240B29-F687-4F45-9708-019B960494DF}">
-              <a14:hiddenLine xmlns:a14="http://schemas.microsoft.com/office/drawing/2010/main" xmlns="" w="9525">
+              <a14:hiddenLine xmlns="" xmlns:a14="http://schemas.microsoft.com/office/drawing/2010/main" w="9525">
                 <a:solidFill>
                   <a:srgbClr val="000000"/>
                 </a:solidFill>
@@ -2253,7 +2253,7 @@
     </p:spTree>
     <p:extLst>
       <p:ext uri="{BB962C8B-B14F-4D97-AF65-F5344CB8AC3E}">
-        <p14:creationId xmlns:p14="http://schemas.microsoft.com/office/powerpoint/2010/main" xmlns="" val="1325484846"/>
+        <p14:creationId xmlns="" xmlns:p14="http://schemas.microsoft.com/office/powerpoint/2010/main" val="1325484846"/>
       </p:ext>
     </p:extLst>
   </p:cSld>
@@ -2435,7 +2435,7 @@
     </p:spTree>
     <p:extLst>
       <p:ext uri="{BB962C8B-B14F-4D97-AF65-F5344CB8AC3E}">
-        <p14:creationId xmlns:p14="http://schemas.microsoft.com/office/powerpoint/2010/main" xmlns="" val="1449511773"/>
+        <p14:creationId xmlns="" xmlns:p14="http://schemas.microsoft.com/office/powerpoint/2010/main" val="1449511773"/>
       </p:ext>
     </p:extLst>
   </p:cSld>
@@ -2509,7 +2509,7 @@
     </p:spTree>
     <p:extLst>
       <p:ext uri="{BB962C8B-B14F-4D97-AF65-F5344CB8AC3E}">
-        <p14:creationId xmlns:p14="http://schemas.microsoft.com/office/powerpoint/2010/main" xmlns="" val="2987521476"/>
+        <p14:creationId xmlns="" xmlns:p14="http://schemas.microsoft.com/office/powerpoint/2010/main" val="2987521476"/>
       </p:ext>
     </p:extLst>
   </p:cSld>
@@ -2549,7 +2549,7 @@
           <a:blip r:embed="rId2">
             <a:extLst>
               <a:ext uri="{28A0092B-C50C-407E-A947-70E740481C1C}">
-                <a14:useLocalDpi xmlns:a14="http://schemas.microsoft.com/office/drawing/2010/main" xmlns="" val="0"/>
+                <a14:useLocalDpi xmlns="" xmlns:a14="http://schemas.microsoft.com/office/drawing/2010/main" val="0"/>
               </a:ext>
             </a:extLst>
           </a:blip>
@@ -2572,14 +2572,14 @@
           </a:ln>
           <a:extLst>
             <a:ext uri="{909E8E84-426E-40DD-AFC4-6F175D3DCCD1}">
-              <a14:hiddenFill xmlns:a14="http://schemas.microsoft.com/office/drawing/2010/main" xmlns="">
+              <a14:hiddenFill xmlns="" xmlns:a14="http://schemas.microsoft.com/office/drawing/2010/main">
                 <a:solidFill>
                   <a:srgbClr val="FFFFFF"/>
                 </a:solidFill>
               </a14:hiddenFill>
             </a:ext>
             <a:ext uri="{91240B29-F687-4F45-9708-019B960494DF}">
-              <a14:hiddenLine xmlns:a14="http://schemas.microsoft.com/office/drawing/2010/main" xmlns="" w="9525">
+              <a14:hiddenLine xmlns="" xmlns:a14="http://schemas.microsoft.com/office/drawing/2010/main" w="9525">
                 <a:solidFill>
                   <a:srgbClr val="000000"/>
                 </a:solidFill>
@@ -2799,14 +2799,14 @@
           </a:ln>
           <a:extLst>
             <a:ext uri="{909E8E84-426E-40DD-AFC4-6F175D3DCCD1}">
-              <a14:hiddenFill xmlns:a14="http://schemas.microsoft.com/office/drawing/2010/main" xmlns="">
+              <a14:hiddenFill xmlns="" xmlns:a14="http://schemas.microsoft.com/office/drawing/2010/main">
                 <a:solidFill>
                   <a:srgbClr val="FFFFFF"/>
                 </a:solidFill>
               </a14:hiddenFill>
             </a:ext>
             <a:ext uri="{91240B29-F687-4F45-9708-019B960494DF}">
-              <a14:hiddenLine xmlns:a14="http://schemas.microsoft.com/office/drawing/2010/main" xmlns="" w="9525">
+              <a14:hiddenLine xmlns="" xmlns:a14="http://schemas.microsoft.com/office/drawing/2010/main" w="9525">
                 <a:solidFill>
                   <a:srgbClr val="000000"/>
                 </a:solidFill>
@@ -3061,7 +3061,7 @@
           <a:blip r:embed="rId3">
             <a:extLst>
               <a:ext uri="{28A0092B-C50C-407E-A947-70E740481C1C}">
-                <a14:useLocalDpi xmlns:a14="http://schemas.microsoft.com/office/drawing/2010/main" xmlns="" val="0"/>
+                <a14:useLocalDpi xmlns="" xmlns:a14="http://schemas.microsoft.com/office/drawing/2010/main" val="0"/>
               </a:ext>
             </a:extLst>
           </a:blip>
@@ -3084,14 +3084,14 @@
           </a:ln>
           <a:extLst>
             <a:ext uri="{909E8E84-426E-40DD-AFC4-6F175D3DCCD1}">
-              <a14:hiddenFill xmlns:a14="http://schemas.microsoft.com/office/drawing/2010/main" xmlns="">
+              <a14:hiddenFill xmlns="" xmlns:a14="http://schemas.microsoft.com/office/drawing/2010/main">
                 <a:solidFill>
                   <a:srgbClr val="FFFFFF"/>
                 </a:solidFill>
               </a14:hiddenFill>
             </a:ext>
             <a:ext uri="{91240B29-F687-4F45-9708-019B960494DF}">
-              <a14:hiddenLine xmlns:a14="http://schemas.microsoft.com/office/drawing/2010/main" xmlns="" w="9525">
+              <a14:hiddenLine xmlns="" xmlns:a14="http://schemas.microsoft.com/office/drawing/2010/main" w="9525">
                 <a:solidFill>
                   <a:srgbClr val="000000"/>
                 </a:solidFill>
@@ -3115,7 +3115,7 @@
           <a:blip r:embed="rId4">
             <a:extLst>
               <a:ext uri="{28A0092B-C50C-407E-A947-70E740481C1C}">
-                <a14:useLocalDpi xmlns:a14="http://schemas.microsoft.com/office/drawing/2010/main" xmlns="" val="0"/>
+                <a14:useLocalDpi xmlns="" xmlns:a14="http://schemas.microsoft.com/office/drawing/2010/main" val="0"/>
               </a:ext>
             </a:extLst>
           </a:blip>
@@ -3138,14 +3138,14 @@
           </a:ln>
           <a:extLst>
             <a:ext uri="{909E8E84-426E-40DD-AFC4-6F175D3DCCD1}">
-              <a14:hiddenFill xmlns:a14="http://schemas.microsoft.com/office/drawing/2010/main" xmlns="">
+              <a14:hiddenFill xmlns="" xmlns:a14="http://schemas.microsoft.com/office/drawing/2010/main">
                 <a:solidFill>
                   <a:srgbClr val="FFFFFF"/>
                 </a:solidFill>
               </a14:hiddenFill>
             </a:ext>
             <a:ext uri="{91240B29-F687-4F45-9708-019B960494DF}">
-              <a14:hiddenLine xmlns:a14="http://schemas.microsoft.com/office/drawing/2010/main" xmlns="" w="9525">
+              <a14:hiddenLine xmlns="" xmlns:a14="http://schemas.microsoft.com/office/drawing/2010/main" w="9525">
                 <a:solidFill>
                   <a:srgbClr val="000000"/>
                 </a:solidFill>
@@ -3169,7 +3169,7 @@
           <a:blip r:embed="rId5">
             <a:extLst>
               <a:ext uri="{28A0092B-C50C-407E-A947-70E740481C1C}">
-                <a14:useLocalDpi xmlns:a14="http://schemas.microsoft.com/office/drawing/2010/main" xmlns="" val="0"/>
+                <a14:useLocalDpi xmlns="" xmlns:a14="http://schemas.microsoft.com/office/drawing/2010/main" val="0"/>
               </a:ext>
             </a:extLst>
           </a:blip>
@@ -3192,14 +3192,14 @@
           </a:ln>
           <a:extLst>
             <a:ext uri="{909E8E84-426E-40DD-AFC4-6F175D3DCCD1}">
-              <a14:hiddenFill xmlns:a14="http://schemas.microsoft.com/office/drawing/2010/main" xmlns="">
+              <a14:hiddenFill xmlns="" xmlns:a14="http://schemas.microsoft.com/office/drawing/2010/main">
                 <a:solidFill>
                   <a:srgbClr val="FFFFFF"/>
                 </a:solidFill>
               </a14:hiddenFill>
             </a:ext>
             <a:ext uri="{91240B29-F687-4F45-9708-019B960494DF}">
-              <a14:hiddenLine xmlns:a14="http://schemas.microsoft.com/office/drawing/2010/main" xmlns="" w="9525">
+              <a14:hiddenLine xmlns="" xmlns:a14="http://schemas.microsoft.com/office/drawing/2010/main" w="9525">
                 <a:solidFill>
                   <a:srgbClr val="000000"/>
                 </a:solidFill>
@@ -3223,7 +3223,7 @@
           <a:blip r:embed="rId6">
             <a:extLst>
               <a:ext uri="{28A0092B-C50C-407E-A947-70E740481C1C}">
-                <a14:useLocalDpi xmlns:a14="http://schemas.microsoft.com/office/drawing/2010/main" xmlns="" val="0"/>
+                <a14:useLocalDpi xmlns="" xmlns:a14="http://schemas.microsoft.com/office/drawing/2010/main" val="0"/>
               </a:ext>
             </a:extLst>
           </a:blip>
@@ -3246,14 +3246,14 @@
           </a:ln>
           <a:extLst>
             <a:ext uri="{909E8E84-426E-40DD-AFC4-6F175D3DCCD1}">
-              <a14:hiddenFill xmlns:a14="http://schemas.microsoft.com/office/drawing/2010/main" xmlns="">
+              <a14:hiddenFill xmlns="" xmlns:a14="http://schemas.microsoft.com/office/drawing/2010/main">
                 <a:solidFill>
                   <a:srgbClr val="FFFFFF"/>
                 </a:solidFill>
               </a14:hiddenFill>
             </a:ext>
             <a:ext uri="{91240B29-F687-4F45-9708-019B960494DF}">
-              <a14:hiddenLine xmlns:a14="http://schemas.microsoft.com/office/drawing/2010/main" xmlns="" w="9525">
+              <a14:hiddenLine xmlns="" xmlns:a14="http://schemas.microsoft.com/office/drawing/2010/main" w="9525">
                 <a:solidFill>
                   <a:srgbClr val="000000"/>
                 </a:solidFill>
@@ -3285,7 +3285,7 @@
             <a:alphaModFix amt="32000"/>
             <a:extLst>
               <a:ext uri="{28A0092B-C50C-407E-A947-70E740481C1C}">
-                <a14:useLocalDpi xmlns:a14="http://schemas.microsoft.com/office/drawing/2010/main" xmlns=""/>
+                <a14:useLocalDpi xmlns="" xmlns:a14="http://schemas.microsoft.com/office/drawing/2010/main"/>
               </a:ext>
             </a:extLst>
           </a:blip>
@@ -3306,7 +3306,7 @@
     </p:spTree>
     <p:extLst>
       <p:ext uri="{BB962C8B-B14F-4D97-AF65-F5344CB8AC3E}">
-        <p14:creationId xmlns:p14="http://schemas.microsoft.com/office/powerpoint/2010/main" xmlns="" val="6272284"/>
+        <p14:creationId xmlns="" xmlns:p14="http://schemas.microsoft.com/office/powerpoint/2010/main" val="6272284"/>
       </p:ext>
     </p:extLst>
   </p:cSld>
@@ -3469,7 +3469,7 @@
     </p:spTree>
     <p:extLst>
       <p:ext uri="{BB962C8B-B14F-4D97-AF65-F5344CB8AC3E}">
-        <p14:creationId xmlns:p14="http://schemas.microsoft.com/office/powerpoint/2010/main" xmlns="" val="903317951"/>
+        <p14:creationId xmlns="" xmlns:p14="http://schemas.microsoft.com/office/powerpoint/2010/main" val="903317951"/>
       </p:ext>
     </p:extLst>
   </p:cSld>
@@ -3692,7 +3692,7 @@
     </p:spTree>
     <p:extLst>
       <p:ext uri="{BB962C8B-B14F-4D97-AF65-F5344CB8AC3E}">
-        <p14:creationId xmlns:p14="http://schemas.microsoft.com/office/powerpoint/2010/main" xmlns="" val="940589722"/>
+        <p14:creationId xmlns="" xmlns:p14="http://schemas.microsoft.com/office/powerpoint/2010/main" val="940589722"/>
       </p:ext>
     </p:extLst>
   </p:cSld>
@@ -3807,7 +3807,7 @@
     </p:spTree>
     <p:extLst>
       <p:ext uri="{BB962C8B-B14F-4D97-AF65-F5344CB8AC3E}">
-        <p14:creationId xmlns:p14="http://schemas.microsoft.com/office/powerpoint/2010/main" xmlns="" val="1941953968"/>
+        <p14:creationId xmlns="" xmlns:p14="http://schemas.microsoft.com/office/powerpoint/2010/main" val="1941953968"/>
       </p:ext>
     </p:extLst>
   </p:cSld>
@@ -3922,7 +3922,7 @@
     </p:spTree>
     <p:extLst>
       <p:ext uri="{BB962C8B-B14F-4D97-AF65-F5344CB8AC3E}">
-        <p14:creationId xmlns:p14="http://schemas.microsoft.com/office/powerpoint/2010/main" xmlns="" val="3625103032"/>
+        <p14:creationId xmlns="" xmlns:p14="http://schemas.microsoft.com/office/powerpoint/2010/main" val="3625103032"/>
       </p:ext>
     </p:extLst>
   </p:cSld>
@@ -4037,7 +4037,7 @@
     </p:spTree>
     <p:extLst>
       <p:ext uri="{BB962C8B-B14F-4D97-AF65-F5344CB8AC3E}">
-        <p14:creationId xmlns:p14="http://schemas.microsoft.com/office/powerpoint/2010/main" xmlns="" val="2795747939"/>
+        <p14:creationId xmlns="" xmlns:p14="http://schemas.microsoft.com/office/powerpoint/2010/main" val="2795747939"/>
       </p:ext>
     </p:extLst>
   </p:cSld>
@@ -4199,7 +4199,7 @@
     </p:spTree>
     <p:extLst>
       <p:ext uri="{BB962C8B-B14F-4D97-AF65-F5344CB8AC3E}">
-        <p14:creationId xmlns:p14="http://schemas.microsoft.com/office/powerpoint/2010/main" xmlns="" val="1684094564"/>
+        <p14:creationId xmlns="" xmlns:p14="http://schemas.microsoft.com/office/powerpoint/2010/main" val="1684094564"/>
       </p:ext>
     </p:extLst>
   </p:cSld>
@@ -4928,7 +4928,7 @@
     </p:spTree>
     <p:extLst>
       <p:ext uri="{BB962C8B-B14F-4D97-AF65-F5344CB8AC3E}">
-        <p14:creationId xmlns:p14="http://schemas.microsoft.com/office/powerpoint/2010/main" xmlns="" val="4270701877"/>
+        <p14:creationId xmlns="" xmlns:p14="http://schemas.microsoft.com/office/powerpoint/2010/main" val="4270701877"/>
       </p:ext>
     </p:extLst>
   </p:cSld>
@@ -5043,7 +5043,7 @@
     </p:spTree>
     <p:extLst>
       <p:ext uri="{BB962C8B-B14F-4D97-AF65-F5344CB8AC3E}">
-        <p14:creationId xmlns:p14="http://schemas.microsoft.com/office/powerpoint/2010/main" xmlns="" val="4012992503"/>
+        <p14:creationId xmlns="" xmlns:p14="http://schemas.microsoft.com/office/powerpoint/2010/main" val="4012992503"/>
       </p:ext>
     </p:extLst>
   </p:cSld>
@@ -5214,7 +5214,7 @@
     </p:spTree>
     <p:extLst>
       <p:ext uri="{BB962C8B-B14F-4D97-AF65-F5344CB8AC3E}">
-        <p14:creationId xmlns:p14="http://schemas.microsoft.com/office/powerpoint/2010/main" xmlns="" val="1852052173"/>
+        <p14:creationId xmlns="" xmlns:p14="http://schemas.microsoft.com/office/powerpoint/2010/main" val="1852052173"/>
       </p:ext>
     </p:extLst>
   </p:cSld>
@@ -5245,7 +5245,7 @@
     </p:spTree>
     <p:extLst>
       <p:ext uri="{BB962C8B-B14F-4D97-AF65-F5344CB8AC3E}">
-        <p14:creationId xmlns:p14="http://schemas.microsoft.com/office/powerpoint/2010/main" xmlns="" val="1312077928"/>
+        <p14:creationId xmlns="" xmlns:p14="http://schemas.microsoft.com/office/powerpoint/2010/main" val="1312077928"/>
       </p:ext>
     </p:extLst>
   </p:cSld>
@@ -5275,7 +5275,7 @@
     </p:spTree>
     <p:extLst>
       <p:ext uri="{BB962C8B-B14F-4D97-AF65-F5344CB8AC3E}">
-        <p14:creationId xmlns:p14="http://schemas.microsoft.com/office/powerpoint/2010/main" xmlns="" val="91599589"/>
+        <p14:creationId xmlns="" xmlns:p14="http://schemas.microsoft.com/office/powerpoint/2010/main" val="91599589"/>
       </p:ext>
     </p:extLst>
   </p:cSld>
@@ -5314,7 +5314,7 @@
           <a:blip r:embed="rId2">
             <a:extLst>
               <a:ext uri="{28A0092B-C50C-407E-A947-70E740481C1C}">
-                <a14:useLocalDpi xmlns:a14="http://schemas.microsoft.com/office/drawing/2010/main" xmlns="" val="0"/>
+                <a14:useLocalDpi xmlns="" xmlns:a14="http://schemas.microsoft.com/office/drawing/2010/main" val="0"/>
               </a:ext>
             </a:extLst>
           </a:blip>
@@ -5337,14 +5337,14 @@
           </a:ln>
           <a:extLst>
             <a:ext uri="{909E8E84-426E-40DD-AFC4-6F175D3DCCD1}">
-              <a14:hiddenFill xmlns:a14="http://schemas.microsoft.com/office/drawing/2010/main" xmlns="">
+              <a14:hiddenFill xmlns="" xmlns:a14="http://schemas.microsoft.com/office/drawing/2010/main">
                 <a:solidFill>
                   <a:srgbClr val="FFFFFF"/>
                 </a:solidFill>
               </a14:hiddenFill>
             </a:ext>
             <a:ext uri="{91240B29-F687-4F45-9708-019B960494DF}">
-              <a14:hiddenLine xmlns:a14="http://schemas.microsoft.com/office/drawing/2010/main" xmlns="" w="9525">
+              <a14:hiddenLine xmlns="" xmlns:a14="http://schemas.microsoft.com/office/drawing/2010/main" w="9525">
                 <a:solidFill>
                   <a:srgbClr val="000000"/>
                 </a:solidFill>
@@ -5564,14 +5564,14 @@
           </a:ln>
           <a:extLst>
             <a:ext uri="{909E8E84-426E-40DD-AFC4-6F175D3DCCD1}">
-              <a14:hiddenFill xmlns:a14="http://schemas.microsoft.com/office/drawing/2010/main" xmlns="">
+              <a14:hiddenFill xmlns="" xmlns:a14="http://schemas.microsoft.com/office/drawing/2010/main">
                 <a:solidFill>
                   <a:srgbClr val="FFFFFF"/>
                 </a:solidFill>
               </a14:hiddenFill>
             </a:ext>
             <a:ext uri="{91240B29-F687-4F45-9708-019B960494DF}">
-              <a14:hiddenLine xmlns:a14="http://schemas.microsoft.com/office/drawing/2010/main" xmlns="" w="9525">
+              <a14:hiddenLine xmlns="" xmlns:a14="http://schemas.microsoft.com/office/drawing/2010/main" w="9525">
                 <a:solidFill>
                   <a:srgbClr val="000000"/>
                 </a:solidFill>
@@ -5826,7 +5826,7 @@
           <a:blip r:embed="rId3">
             <a:extLst>
               <a:ext uri="{28A0092B-C50C-407E-A947-70E740481C1C}">
-                <a14:useLocalDpi xmlns:a14="http://schemas.microsoft.com/office/drawing/2010/main" xmlns="" val="0"/>
+                <a14:useLocalDpi xmlns="" xmlns:a14="http://schemas.microsoft.com/office/drawing/2010/main" val="0"/>
               </a:ext>
             </a:extLst>
           </a:blip>
@@ -5849,14 +5849,14 @@
           </a:ln>
           <a:extLst>
             <a:ext uri="{909E8E84-426E-40DD-AFC4-6F175D3DCCD1}">
-              <a14:hiddenFill xmlns:a14="http://schemas.microsoft.com/office/drawing/2010/main" xmlns="">
+              <a14:hiddenFill xmlns="" xmlns:a14="http://schemas.microsoft.com/office/drawing/2010/main">
                 <a:solidFill>
                   <a:srgbClr val="FFFFFF"/>
                 </a:solidFill>
               </a14:hiddenFill>
             </a:ext>
             <a:ext uri="{91240B29-F687-4F45-9708-019B960494DF}">
-              <a14:hiddenLine xmlns:a14="http://schemas.microsoft.com/office/drawing/2010/main" xmlns="" w="9525">
+              <a14:hiddenLine xmlns="" xmlns:a14="http://schemas.microsoft.com/office/drawing/2010/main" w="9525">
                 <a:solidFill>
                   <a:srgbClr val="000000"/>
                 </a:solidFill>
@@ -5880,7 +5880,7 @@
           <a:blip r:embed="rId4">
             <a:extLst>
               <a:ext uri="{28A0092B-C50C-407E-A947-70E740481C1C}">
-                <a14:useLocalDpi xmlns:a14="http://schemas.microsoft.com/office/drawing/2010/main" xmlns="" val="0"/>
+                <a14:useLocalDpi xmlns="" xmlns:a14="http://schemas.microsoft.com/office/drawing/2010/main" val="0"/>
               </a:ext>
             </a:extLst>
           </a:blip>
@@ -5903,14 +5903,14 @@
           </a:ln>
           <a:extLst>
             <a:ext uri="{909E8E84-426E-40DD-AFC4-6F175D3DCCD1}">
-              <a14:hiddenFill xmlns:a14="http://schemas.microsoft.com/office/drawing/2010/main" xmlns="">
+              <a14:hiddenFill xmlns="" xmlns:a14="http://schemas.microsoft.com/office/drawing/2010/main">
                 <a:solidFill>
                   <a:srgbClr val="FFFFFF"/>
                 </a:solidFill>
               </a14:hiddenFill>
             </a:ext>
             <a:ext uri="{91240B29-F687-4F45-9708-019B960494DF}">
-              <a14:hiddenLine xmlns:a14="http://schemas.microsoft.com/office/drawing/2010/main" xmlns="" w="9525">
+              <a14:hiddenLine xmlns="" xmlns:a14="http://schemas.microsoft.com/office/drawing/2010/main" w="9525">
                 <a:solidFill>
                   <a:srgbClr val="000000"/>
                 </a:solidFill>
@@ -5934,7 +5934,7 @@
           <a:blip r:embed="rId5">
             <a:extLst>
               <a:ext uri="{28A0092B-C50C-407E-A947-70E740481C1C}">
-                <a14:useLocalDpi xmlns:a14="http://schemas.microsoft.com/office/drawing/2010/main" xmlns="" val="0"/>
+                <a14:useLocalDpi xmlns="" xmlns:a14="http://schemas.microsoft.com/office/drawing/2010/main" val="0"/>
               </a:ext>
             </a:extLst>
           </a:blip>
@@ -5957,14 +5957,14 @@
           </a:ln>
           <a:extLst>
             <a:ext uri="{909E8E84-426E-40DD-AFC4-6F175D3DCCD1}">
-              <a14:hiddenFill xmlns:a14="http://schemas.microsoft.com/office/drawing/2010/main" xmlns="">
+              <a14:hiddenFill xmlns="" xmlns:a14="http://schemas.microsoft.com/office/drawing/2010/main">
                 <a:solidFill>
                   <a:srgbClr val="FFFFFF"/>
                 </a:solidFill>
               </a14:hiddenFill>
             </a:ext>
             <a:ext uri="{91240B29-F687-4F45-9708-019B960494DF}">
-              <a14:hiddenLine xmlns:a14="http://schemas.microsoft.com/office/drawing/2010/main" xmlns="" w="9525">
+              <a14:hiddenLine xmlns="" xmlns:a14="http://schemas.microsoft.com/office/drawing/2010/main" w="9525">
                 <a:solidFill>
                   <a:srgbClr val="000000"/>
                 </a:solidFill>
@@ -5988,7 +5988,7 @@
           <a:blip r:embed="rId6">
             <a:extLst>
               <a:ext uri="{28A0092B-C50C-407E-A947-70E740481C1C}">
-                <a14:useLocalDpi xmlns:a14="http://schemas.microsoft.com/office/drawing/2010/main" xmlns="" val="0"/>
+                <a14:useLocalDpi xmlns="" xmlns:a14="http://schemas.microsoft.com/office/drawing/2010/main" val="0"/>
               </a:ext>
             </a:extLst>
           </a:blip>
@@ -6011,14 +6011,14 @@
           </a:ln>
           <a:extLst>
             <a:ext uri="{909E8E84-426E-40DD-AFC4-6F175D3DCCD1}">
-              <a14:hiddenFill xmlns:a14="http://schemas.microsoft.com/office/drawing/2010/main" xmlns="">
+              <a14:hiddenFill xmlns="" xmlns:a14="http://schemas.microsoft.com/office/drawing/2010/main">
                 <a:solidFill>
                   <a:srgbClr val="FFFFFF"/>
                 </a:solidFill>
               </a14:hiddenFill>
             </a:ext>
             <a:ext uri="{91240B29-F687-4F45-9708-019B960494DF}">
-              <a14:hiddenLine xmlns:a14="http://schemas.microsoft.com/office/drawing/2010/main" xmlns="" w="9525">
+              <a14:hiddenLine xmlns="" xmlns:a14="http://schemas.microsoft.com/office/drawing/2010/main" w="9525">
                 <a:solidFill>
                   <a:srgbClr val="000000"/>
                 </a:solidFill>
@@ -6050,7 +6050,7 @@
             <a:alphaModFix amt="32000"/>
             <a:extLst>
               <a:ext uri="{28A0092B-C50C-407E-A947-70E740481C1C}">
-                <a14:useLocalDpi xmlns:a14="http://schemas.microsoft.com/office/drawing/2010/main" xmlns=""/>
+                <a14:useLocalDpi xmlns="" xmlns:a14="http://schemas.microsoft.com/office/drawing/2010/main"/>
               </a:ext>
             </a:extLst>
           </a:blip>
@@ -6071,7 +6071,7 @@
     </p:spTree>
     <p:extLst>
       <p:ext uri="{BB962C8B-B14F-4D97-AF65-F5344CB8AC3E}">
-        <p14:creationId xmlns:p14="http://schemas.microsoft.com/office/powerpoint/2010/main" xmlns="" val="303094151"/>
+        <p14:creationId xmlns="" xmlns:p14="http://schemas.microsoft.com/office/powerpoint/2010/main" val="303094151"/>
       </p:ext>
     </p:extLst>
   </p:cSld>
@@ -6102,7 +6102,7 @@
     </p:spTree>
     <p:extLst>
       <p:ext uri="{BB962C8B-B14F-4D97-AF65-F5344CB8AC3E}">
-        <p14:creationId xmlns:p14="http://schemas.microsoft.com/office/powerpoint/2010/main" xmlns="" val="3374952299"/>
+        <p14:creationId xmlns="" xmlns:p14="http://schemas.microsoft.com/office/powerpoint/2010/main" val="3374952299"/>
       </p:ext>
     </p:extLst>
   </p:cSld>
@@ -6611,14 +6611,14 @@
           </a:ln>
           <a:extLst>
             <a:ext uri="{909E8E84-426E-40DD-AFC4-6F175D3DCCD1}">
-              <a14:hiddenFill xmlns:a14="http://schemas.microsoft.com/office/drawing/2010/main" xmlns="">
+              <a14:hiddenFill xmlns="" xmlns:a14="http://schemas.microsoft.com/office/drawing/2010/main">
                 <a:solidFill>
                   <a:srgbClr val="FFFFFF"/>
                 </a:solidFill>
               </a14:hiddenFill>
             </a:ext>
             <a:ext uri="{91240B29-F687-4F45-9708-019B960494DF}">
-              <a14:hiddenLine xmlns:a14="http://schemas.microsoft.com/office/drawing/2010/main" xmlns="" w="9525">
+              <a14:hiddenLine xmlns="" xmlns:a14="http://schemas.microsoft.com/office/drawing/2010/main" w="9525">
                 <a:solidFill>
                   <a:srgbClr val="000000"/>
                 </a:solidFill>
@@ -7704,7 +7704,7 @@
           <a:blip r:embed="rId4">
             <a:extLst>
               <a:ext uri="{28A0092B-C50C-407E-A947-70E740481C1C}">
-                <a14:useLocalDpi xmlns:a14="http://schemas.microsoft.com/office/drawing/2010/main" xmlns="" val="0"/>
+                <a14:useLocalDpi xmlns="" xmlns:a14="http://schemas.microsoft.com/office/drawing/2010/main" val="0"/>
               </a:ext>
             </a:extLst>
           </a:blip>
@@ -7727,14 +7727,14 @@
           </a:ln>
           <a:extLst>
             <a:ext uri="{909E8E84-426E-40DD-AFC4-6F175D3DCCD1}">
-              <a14:hiddenFill xmlns:a14="http://schemas.microsoft.com/office/drawing/2010/main" xmlns="">
+              <a14:hiddenFill xmlns="" xmlns:a14="http://schemas.microsoft.com/office/drawing/2010/main">
                 <a:solidFill>
                   <a:srgbClr val="FFFFFF"/>
                 </a:solidFill>
               </a14:hiddenFill>
             </a:ext>
             <a:ext uri="{91240B29-F687-4F45-9708-019B960494DF}">
-              <a14:hiddenLine xmlns:a14="http://schemas.microsoft.com/office/drawing/2010/main" xmlns="" w="9525">
+              <a14:hiddenLine xmlns="" xmlns:a14="http://schemas.microsoft.com/office/drawing/2010/main" w="9525">
                 <a:solidFill>
                   <a:srgbClr val="000000"/>
                 </a:solidFill>
@@ -7933,14 +7933,14 @@
           </a:ln>
           <a:extLst>
             <a:ext uri="{909E8E84-426E-40DD-AFC4-6F175D3DCCD1}">
-              <a14:hiddenFill xmlns:a14="http://schemas.microsoft.com/office/drawing/2010/main" xmlns="">
+              <a14:hiddenFill xmlns="" xmlns:a14="http://schemas.microsoft.com/office/drawing/2010/main">
                 <a:solidFill>
                   <a:srgbClr val="FFFFFF"/>
                 </a:solidFill>
               </a14:hiddenFill>
             </a:ext>
             <a:ext uri="{91240B29-F687-4F45-9708-019B960494DF}">
-              <a14:hiddenLine xmlns:a14="http://schemas.microsoft.com/office/drawing/2010/main" xmlns="" w="9525">
+              <a14:hiddenLine xmlns="" xmlns:a14="http://schemas.microsoft.com/office/drawing/2010/main" w="9525">
                 <a:solidFill>
                   <a:srgbClr val="000000"/>
                 </a:solidFill>
@@ -8178,7 +8178,7 @@
           <a:blip r:embed="rId5">
             <a:extLst>
               <a:ext uri="{28A0092B-C50C-407E-A947-70E740481C1C}">
-                <a14:useLocalDpi xmlns:a14="http://schemas.microsoft.com/office/drawing/2010/main" xmlns="" val="0"/>
+                <a14:useLocalDpi xmlns="" xmlns:a14="http://schemas.microsoft.com/office/drawing/2010/main" val="0"/>
               </a:ext>
             </a:extLst>
           </a:blip>
@@ -8201,14 +8201,14 @@
           </a:ln>
           <a:extLst>
             <a:ext uri="{909E8E84-426E-40DD-AFC4-6F175D3DCCD1}">
-              <a14:hiddenFill xmlns:a14="http://schemas.microsoft.com/office/drawing/2010/main" xmlns="">
+              <a14:hiddenFill xmlns="" xmlns:a14="http://schemas.microsoft.com/office/drawing/2010/main">
                 <a:solidFill>
                   <a:srgbClr val="FFFFFF"/>
                 </a:solidFill>
               </a14:hiddenFill>
             </a:ext>
             <a:ext uri="{91240B29-F687-4F45-9708-019B960494DF}">
-              <a14:hiddenLine xmlns:a14="http://schemas.microsoft.com/office/drawing/2010/main" xmlns="" w="9525">
+              <a14:hiddenLine xmlns="" xmlns:a14="http://schemas.microsoft.com/office/drawing/2010/main" w="9525">
                 <a:solidFill>
                   <a:srgbClr val="000000"/>
                 </a:solidFill>
@@ -8856,7 +8856,7 @@
           <a:blip r:embed="rId3">
             <a:extLst>
               <a:ext uri="{28A0092B-C50C-407E-A947-70E740481C1C}">
-                <a14:useLocalDpi xmlns:a14="http://schemas.microsoft.com/office/drawing/2010/main" xmlns="" val="0"/>
+                <a14:useLocalDpi xmlns="" xmlns:a14="http://schemas.microsoft.com/office/drawing/2010/main" val="0"/>
               </a:ext>
             </a:extLst>
           </a:blip>
@@ -8879,14 +8879,14 @@
           </a:ln>
           <a:extLst>
             <a:ext uri="{909E8E84-426E-40DD-AFC4-6F175D3DCCD1}">
-              <a14:hiddenFill xmlns:a14="http://schemas.microsoft.com/office/drawing/2010/main" xmlns="">
+              <a14:hiddenFill xmlns="" xmlns:a14="http://schemas.microsoft.com/office/drawing/2010/main">
                 <a:solidFill>
                   <a:srgbClr val="FFFFFF"/>
                 </a:solidFill>
               </a14:hiddenFill>
             </a:ext>
             <a:ext uri="{91240B29-F687-4F45-9708-019B960494DF}">
-              <a14:hiddenLine xmlns:a14="http://schemas.microsoft.com/office/drawing/2010/main" xmlns="" w="9525">
+              <a14:hiddenLine xmlns="" xmlns:a14="http://schemas.microsoft.com/office/drawing/2010/main" w="9525">
                 <a:solidFill>
                   <a:srgbClr val="000000"/>
                 </a:solidFill>
@@ -9280,14 +9280,14 @@
             </a:ln>
             <a:extLst>
               <a:ext uri="{909E8E84-426E-40DD-AFC4-6F175D3DCCD1}">
-                <a14:hiddenFill xmlns:a14="http://schemas.microsoft.com/office/drawing/2010/main" xmlns="">
+                <a14:hiddenFill xmlns="" xmlns:a14="http://schemas.microsoft.com/office/drawing/2010/main">
                   <a:solidFill>
                     <a:srgbClr val="FFFFFF"/>
                   </a:solidFill>
                 </a14:hiddenFill>
               </a:ext>
               <a:ext uri="{91240B29-F687-4F45-9708-019B960494DF}">
-                <a14:hiddenLine xmlns:a14="http://schemas.microsoft.com/office/drawing/2010/main" xmlns="" w="9525">
+                <a14:hiddenLine xmlns="" xmlns:a14="http://schemas.microsoft.com/office/drawing/2010/main" w="9525">
                   <a:solidFill>
                     <a:srgbClr val="000000"/>
                   </a:solidFill>
@@ -10260,14 +10260,14 @@
             </a:ln>
             <a:extLst>
               <a:ext uri="{909E8E84-426E-40DD-AFC4-6F175D3DCCD1}">
-                <a14:hiddenFill xmlns:a14="http://schemas.microsoft.com/office/drawing/2010/main" xmlns="">
+                <a14:hiddenFill xmlns="" xmlns:a14="http://schemas.microsoft.com/office/drawing/2010/main">
                   <a:solidFill>
                     <a:srgbClr val="FFFFFF"/>
                   </a:solidFill>
                 </a14:hiddenFill>
               </a:ext>
               <a:ext uri="{91240B29-F687-4F45-9708-019B960494DF}">
-                <a14:hiddenLine xmlns:a14="http://schemas.microsoft.com/office/drawing/2010/main" xmlns="" w="9525">
+                <a14:hiddenLine xmlns="" xmlns:a14="http://schemas.microsoft.com/office/drawing/2010/main" w="9525">
                   <a:solidFill>
                     <a:srgbClr val="000000"/>
                   </a:solidFill>
@@ -11656,14 +11656,14 @@
           </a:ln>
           <a:extLst>
             <a:ext uri="{909E8E84-426E-40DD-AFC4-6F175D3DCCD1}">
-              <a14:hiddenFill xmlns:a14="http://schemas.microsoft.com/office/drawing/2010/main" xmlns="">
+              <a14:hiddenFill xmlns="" xmlns:a14="http://schemas.microsoft.com/office/drawing/2010/main">
                 <a:solidFill>
                   <a:srgbClr val="FFFFFF"/>
                 </a:solidFill>
               </a14:hiddenFill>
             </a:ext>
             <a:ext uri="{91240B29-F687-4F45-9708-019B960494DF}">
-              <a14:hiddenLine xmlns:a14="http://schemas.microsoft.com/office/drawing/2010/main" xmlns="" w="9525">
+              <a14:hiddenLine xmlns="" xmlns:a14="http://schemas.microsoft.com/office/drawing/2010/main" w="9525">
                 <a:solidFill>
                   <a:srgbClr val="000000"/>
                 </a:solidFill>
@@ -12263,7 +12263,7 @@
           <a:blip r:embed="rId3">
             <a:extLst>
               <a:ext uri="{28A0092B-C50C-407E-A947-70E740481C1C}">
-                <a14:useLocalDpi xmlns:a14="http://schemas.microsoft.com/office/drawing/2010/main" xmlns="" val="0"/>
+                <a14:useLocalDpi xmlns="" xmlns:a14="http://schemas.microsoft.com/office/drawing/2010/main" val="0"/>
               </a:ext>
             </a:extLst>
           </a:blip>
@@ -12286,14 +12286,14 @@
           </a:ln>
           <a:extLst>
             <a:ext uri="{909E8E84-426E-40DD-AFC4-6F175D3DCCD1}">
-              <a14:hiddenFill xmlns:a14="http://schemas.microsoft.com/office/drawing/2010/main" xmlns="">
+              <a14:hiddenFill xmlns="" xmlns:a14="http://schemas.microsoft.com/office/drawing/2010/main">
                 <a:solidFill>
                   <a:srgbClr val="FFFFFF"/>
                 </a:solidFill>
               </a14:hiddenFill>
             </a:ext>
             <a:ext uri="{91240B29-F687-4F45-9708-019B960494DF}">
-              <a14:hiddenLine xmlns:a14="http://schemas.microsoft.com/office/drawing/2010/main" xmlns="" w="9525">
+              <a14:hiddenLine xmlns="" xmlns:a14="http://schemas.microsoft.com/office/drawing/2010/main" w="9525">
                 <a:solidFill>
                   <a:srgbClr val="000000"/>
                 </a:solidFill>
@@ -12327,14 +12327,14 @@
           </a:ln>
           <a:extLst>
             <a:ext uri="{909E8E84-426E-40DD-AFC4-6F175D3DCCD1}">
-              <a14:hiddenFill xmlns:a14="http://schemas.microsoft.com/office/drawing/2010/main" xmlns="">
+              <a14:hiddenFill xmlns="" xmlns:a14="http://schemas.microsoft.com/office/drawing/2010/main">
                 <a:solidFill>
                   <a:srgbClr val="FFFFFF"/>
                 </a:solidFill>
               </a14:hiddenFill>
             </a:ext>
             <a:ext uri="{91240B29-F687-4F45-9708-019B960494DF}">
-              <a14:hiddenLine xmlns:a14="http://schemas.microsoft.com/office/drawing/2010/main" xmlns="" w="9525">
+              <a14:hiddenLine xmlns="" xmlns:a14="http://schemas.microsoft.com/office/drawing/2010/main" w="9525">
                 <a:solidFill>
                   <a:srgbClr val="000000"/>
                 </a:solidFill>
@@ -12680,14 +12680,14 @@
           <a:noFill/>
           <a:extLst>
             <a:ext uri="{909E8E84-426E-40DD-AFC4-6F175D3DCCD1}">
-              <a14:hiddenFill xmlns:a14="http://schemas.microsoft.com/office/drawing/2010/main" xmlns="">
+              <a14:hiddenFill xmlns="" xmlns:a14="http://schemas.microsoft.com/office/drawing/2010/main">
                 <a:solidFill>
                   <a:srgbClr val="FFFFFF"/>
                 </a:solidFill>
               </a14:hiddenFill>
             </a:ext>
             <a:ext uri="{91240B29-F687-4F45-9708-019B960494DF}">
-              <a14:hiddenLine xmlns:a14="http://schemas.microsoft.com/office/drawing/2010/main" xmlns="" w="9525">
+              <a14:hiddenLine xmlns="" xmlns:a14="http://schemas.microsoft.com/office/drawing/2010/main" w="9525">
                 <a:solidFill>
                   <a:srgbClr val="000000"/>
                 </a:solidFill>
@@ -12714,11 +12714,6 @@
               </a:rPr>
               <a:t>Agenda</a:t>
             </a:r>
-            <a:endParaRPr lang="en-US" altLang="en-US" b="1" dirty="0" smtClean="0">
-              <a:latin typeface="Calibri" pitchFamily="34" charset="0"/>
-              <a:ea typeface="Calibri" pitchFamily="34" charset="0"/>
-              <a:cs typeface="Calibri" pitchFamily="34" charset="0"/>
-            </a:endParaRPr>
           </a:p>
         </p:txBody>
       </p:sp>
@@ -13708,66 +13703,6 @@
       </p:grpSpPr>
       <p:sp>
         <p:nvSpPr>
-          <p:cNvPr id="69634" name="Text Placeholder 1"/>
-          <p:cNvSpPr>
-            <a:spLocks noGrp="1"/>
-          </p:cNvSpPr>
-          <p:nvPr>
-            <p:ph type="body" sz="quarter" idx="19"/>
-          </p:nvPr>
-        </p:nvSpPr>
-        <p:spPr bwMode="auto">
-          <a:xfrm>
-            <a:off x="317500" y="141288"/>
-            <a:ext cx="4808173" cy="338137"/>
-          </a:xfrm>
-          <a:noFill/>
-          <a:extLst>
-            <a:ext uri="{909E8E84-426E-40DD-AFC4-6F175D3DCCD1}">
-              <a14:hiddenFill xmlns:a14="http://schemas.microsoft.com/office/drawing/2010/main" xmlns="">
-                <a:solidFill>
-                  <a:srgbClr val="FFFFFF"/>
-                </a:solidFill>
-              </a14:hiddenFill>
-            </a:ext>
-            <a:ext uri="{91240B29-F687-4F45-9708-019B960494DF}">
-              <a14:hiddenLine xmlns:a14="http://schemas.microsoft.com/office/drawing/2010/main" xmlns="" w="9525">
-                <a:solidFill>
-                  <a:srgbClr val="000000"/>
-                </a:solidFill>
-                <a:miter lim="800000"/>
-                <a:headEnd/>
-                <a:tailEnd/>
-              </a14:hiddenLine>
-            </a:ext>
-          </a:extLst>
-        </p:spPr>
-        <p:txBody>
-          <a:bodyPr vert="horz" wrap="square" lIns="91440" tIns="45720" rIns="91440" bIns="45720" numCol="1" anchor="t" anchorCtr="0" compatLnSpc="1">
-            <a:prstTxWarp prst="textNoShape">
-              <a:avLst/>
-            </a:prstTxWarp>
-          </a:bodyPr>
-          <a:lstStyle/>
-          <a:p>
-            <a:r>
-              <a:rPr lang="en-US" altLang="en-US" b="1" dirty="0" smtClean="0">
-                <a:latin typeface="Calibri" pitchFamily="34" charset="0"/>
-                <a:ea typeface="Calibri" pitchFamily="34" charset="0"/>
-                <a:cs typeface="Calibri" pitchFamily="34" charset="0"/>
-              </a:rPr>
-              <a:t>What extraordinary work environment can do</a:t>
-            </a:r>
-            <a:endParaRPr lang="en-US" altLang="en-US" b="1" dirty="0" smtClean="0">
-              <a:latin typeface="Calibri" pitchFamily="34" charset="0"/>
-              <a:ea typeface="Calibri" pitchFamily="34" charset="0"/>
-              <a:cs typeface="Calibri" pitchFamily="34" charset="0"/>
-            </a:endParaRPr>
-          </a:p>
-        </p:txBody>
-      </p:sp>
-      <p:sp>
-        <p:nvSpPr>
           <p:cNvPr id="6" name="Rectangle 3"/>
           <p:cNvSpPr txBox="1">
             <a:spLocks noChangeArrowheads="1"/>
@@ -14190,6 +14125,66 @@
               <a:latin typeface="+mn-lt"/>
               <a:ea typeface="+mn-ea"/>
               <a:cs typeface="+mn-cs"/>
+            </a:endParaRPr>
+          </a:p>
+        </p:txBody>
+      </p:sp>
+      <p:sp>
+        <p:nvSpPr>
+          <p:cNvPr id="5" name="Text Placeholder 1"/>
+          <p:cNvSpPr>
+            <a:spLocks noGrp="1"/>
+          </p:cNvSpPr>
+          <p:nvPr>
+            <p:ph type="body" sz="quarter" idx="19"/>
+          </p:nvPr>
+        </p:nvSpPr>
+        <p:spPr bwMode="auto">
+          <a:xfrm>
+            <a:off x="317432" y="141830"/>
+            <a:ext cx="8566509" cy="337648"/>
+          </a:xfrm>
+          <a:noFill/>
+          <a:extLst>
+            <a:ext uri="{909E8E84-426E-40DD-AFC4-6F175D3DCCD1}">
+              <a14:hiddenFill xmlns="" xmlns:a14="http://schemas.microsoft.com/office/drawing/2010/main">
+                <a:solidFill>
+                  <a:srgbClr val="FFFFFF"/>
+                </a:solidFill>
+              </a14:hiddenFill>
+            </a:ext>
+            <a:ext uri="{91240B29-F687-4F45-9708-019B960494DF}">
+              <a14:hiddenLine xmlns="" xmlns:a14="http://schemas.microsoft.com/office/drawing/2010/main" w="9525">
+                <a:solidFill>
+                  <a:srgbClr val="000000"/>
+                </a:solidFill>
+                <a:miter lim="800000"/>
+                <a:headEnd/>
+                <a:tailEnd/>
+              </a14:hiddenLine>
+            </a:ext>
+          </a:extLst>
+        </p:spPr>
+        <p:txBody>
+          <a:bodyPr vert="horz" wrap="square" lIns="91440" tIns="45720" rIns="91440" bIns="45720" numCol="1" anchor="t" anchorCtr="0" compatLnSpc="1">
+            <a:prstTxWarp prst="textNoShape">
+              <a:avLst/>
+            </a:prstTxWarp>
+          </a:bodyPr>
+          <a:lstStyle/>
+          <a:p>
+            <a:r>
+              <a:rPr lang="en-US" altLang="en-US" b="1" dirty="0" smtClean="0">
+                <a:latin typeface="Calibri" pitchFamily="34" charset="0"/>
+                <a:ea typeface="Calibri" pitchFamily="34" charset="0"/>
+                <a:cs typeface="Calibri" pitchFamily="34" charset="0"/>
+              </a:rPr>
+              <a:t>How managers are responsible for creating better work environment</a:t>
+            </a:r>
+            <a:endParaRPr lang="en-US" altLang="en-US" b="1" dirty="0" smtClean="0">
+              <a:latin typeface="Calibri" pitchFamily="34" charset="0"/>
+              <a:ea typeface="Calibri" pitchFamily="34" charset="0"/>
+              <a:cs typeface="Calibri" pitchFamily="34" charset="0"/>
             </a:endParaRPr>
           </a:p>
         </p:txBody>
@@ -14755,14 +14750,14 @@
           <a:noFill/>
           <a:extLst>
             <a:ext uri="{909E8E84-426E-40DD-AFC4-6F175D3DCCD1}">
-              <a14:hiddenFill xmlns:a14="http://schemas.microsoft.com/office/drawing/2010/main" xmlns="">
+              <a14:hiddenFill xmlns="" xmlns:a14="http://schemas.microsoft.com/office/drawing/2010/main">
                 <a:solidFill>
                   <a:srgbClr val="FFFFFF"/>
                 </a:solidFill>
               </a14:hiddenFill>
             </a:ext>
             <a:ext uri="{91240B29-F687-4F45-9708-019B960494DF}">
-              <a14:hiddenLine xmlns:a14="http://schemas.microsoft.com/office/drawing/2010/main" xmlns="" w="9525">
+              <a14:hiddenLine xmlns="" xmlns:a14="http://schemas.microsoft.com/office/drawing/2010/main" w="9525">
                 <a:solidFill>
                   <a:srgbClr val="000000"/>
                 </a:solidFill>
@@ -14789,11 +14784,6 @@
               </a:rPr>
               <a:t>Agenda</a:t>
             </a:r>
-            <a:endParaRPr lang="en-US" altLang="en-US" b="1" dirty="0" smtClean="0">
-              <a:latin typeface="Calibri" pitchFamily="34" charset="0"/>
-              <a:ea typeface="Calibri" pitchFamily="34" charset="0"/>
-              <a:cs typeface="Calibri" pitchFamily="34" charset="0"/>
-            </a:endParaRPr>
           </a:p>
         </p:txBody>
       </p:sp>
@@ -15890,14 +15880,14 @@
           <a:noFill/>
           <a:extLst>
             <a:ext uri="{909E8E84-426E-40DD-AFC4-6F175D3DCCD1}">
-              <a14:hiddenFill xmlns:a14="http://schemas.microsoft.com/office/drawing/2010/main" xmlns="">
+              <a14:hiddenFill xmlns="" xmlns:a14="http://schemas.microsoft.com/office/drawing/2010/main">
                 <a:solidFill>
                   <a:srgbClr val="FFFFFF"/>
                 </a:solidFill>
               </a14:hiddenFill>
             </a:ext>
             <a:ext uri="{91240B29-F687-4F45-9708-019B960494DF}">
-              <a14:hiddenLine xmlns:a14="http://schemas.microsoft.com/office/drawing/2010/main" xmlns="" w="9525">
+              <a14:hiddenLine xmlns="" xmlns:a14="http://schemas.microsoft.com/office/drawing/2010/main" w="9525">
                 <a:solidFill>
                   <a:srgbClr val="000000"/>
                 </a:solidFill>
@@ -15939,7 +15929,7 @@
           <a:blip r:embed="rId2">
             <a:extLst>
               <a:ext uri="{28A0092B-C50C-407E-A947-70E740481C1C}">
-                <a14:useLocalDpi xmlns:a14="http://schemas.microsoft.com/office/drawing/2010/main" xmlns="" val="0"/>
+                <a14:useLocalDpi xmlns="" xmlns:a14="http://schemas.microsoft.com/office/drawing/2010/main" val="0"/>
               </a:ext>
             </a:extLst>
           </a:blip>
@@ -15962,14 +15952,14 @@
           </a:ln>
           <a:extLst>
             <a:ext uri="{909E8E84-426E-40DD-AFC4-6F175D3DCCD1}">
-              <a14:hiddenFill xmlns:a14="http://schemas.microsoft.com/office/drawing/2010/main" xmlns="">
+              <a14:hiddenFill xmlns="" xmlns:a14="http://schemas.microsoft.com/office/drawing/2010/main">
                 <a:solidFill>
                   <a:schemeClr val="accent1"/>
                 </a:solidFill>
               </a14:hiddenFill>
             </a:ext>
             <a:ext uri="{91240B29-F687-4F45-9708-019B960494DF}">
-              <a14:hiddenLine xmlns:a14="http://schemas.microsoft.com/office/drawing/2010/main" xmlns="" w="9525">
+              <a14:hiddenLine xmlns="" xmlns:a14="http://schemas.microsoft.com/office/drawing/2010/main" w="9525">
                 <a:solidFill>
                   <a:schemeClr val="tx1"/>
                 </a:solidFill>
@@ -16003,14 +15993,14 @@
           </a:ln>
           <a:extLst>
             <a:ext uri="{909E8E84-426E-40DD-AFC4-6F175D3DCCD1}">
-              <a14:hiddenFill xmlns:a14="http://schemas.microsoft.com/office/drawing/2010/main" xmlns="">
+              <a14:hiddenFill xmlns="" xmlns:a14="http://schemas.microsoft.com/office/drawing/2010/main">
                 <a:solidFill>
                   <a:srgbClr val="FFFFFF"/>
                 </a:solidFill>
               </a14:hiddenFill>
             </a:ext>
             <a:ext uri="{91240B29-F687-4F45-9708-019B960494DF}">
-              <a14:hiddenLine xmlns:a14="http://schemas.microsoft.com/office/drawing/2010/main" xmlns="" w="9525">
+              <a14:hiddenLine xmlns="" xmlns:a14="http://schemas.microsoft.com/office/drawing/2010/main" w="9525">
                 <a:solidFill>
                   <a:srgbClr val="000000"/>
                 </a:solidFill>
